--- a/Python Tutorial.pptx
+++ b/Python Tutorial.pptx
@@ -5562,6 +5562,18 @@
           <a:bodyPr/>
           <a:lstStyle/>
           <a:p>
+            <a:r>
+              <a:rPr lang="en-US" dirty="0" smtClean="0"/>
+              <a:t>Star Wars special effect team use Python to glue tools </a:t>
+            </a:r>
+            <a:r>
+              <a:rPr lang="en-US" smtClean="0"/>
+              <a:t>using various programming </a:t>
+            </a:r>
+            <a:r>
+              <a:rPr lang="en-US" dirty="0" smtClean="0"/>
+              <a:t>languages</a:t>
+            </a:r>
             <a:endParaRPr lang="en-US" dirty="0"/>
           </a:p>
         </p:txBody>
@@ -5591,7 +5603,7 @@
         </p:blipFill>
         <p:spPr bwMode="auto">
           <a:xfrm>
-            <a:off x="2381250" y="2362200"/>
+            <a:off x="2381250" y="2895600"/>
             <a:ext cx="4381500" cy="2466975"/>
           </a:xfrm>
           <a:prstGeom prst="rect">

--- a/Python Tutorial.pptx
+++ b/Python Tutorial.pptx
@@ -4098,7 +4098,9 @@
         </p:nvSpPr>
         <p:spPr/>
         <p:txBody>
-          <a:bodyPr/>
+          <a:bodyPr>
+            <a:normAutofit fontScale="85000" lnSpcReduction="20000"/>
+          </a:bodyPr>
           <a:lstStyle/>
           <a:p>
             <a:r>
@@ -4125,6 +4127,13 @@
             <a:r>
               <a:rPr lang="en-US" dirty="0" smtClean="0"/>
               <a:t> </a:t>
+            </a:r>
+            <a:endParaRPr lang="en-US" dirty="0" smtClean="0"/>
+          </a:p>
+          <a:p>
+            <a:r>
+              <a:rPr lang="en-US" smtClean="0"/>
+              <a:t>Version: Feb 12, 2016</a:t>
             </a:r>
             <a:endParaRPr lang="en-US" dirty="0"/>
           </a:p>
@@ -6894,8 +6903,8 @@
           <a:lstStyle/>
           <a:p>
             <a:r>
-              <a:rPr lang="en-US" dirty="0" smtClean="0"/>
-              <a:t>HW5</a:t>
+              <a:rPr lang="en-US" dirty="0" err="1" smtClean="0"/>
+              <a:t>Homeworks</a:t>
             </a:r>
             <a:endParaRPr lang="en-US" dirty="0"/>
           </a:p>

--- a/Python Tutorial.pptx
+++ b/Python Tutorial.pptx
@@ -5,7 +5,7 @@
     <p:sldMasterId id="2147483648" r:id="rId1"/>
   </p:sldMasterIdLst>
   <p:notesMasterIdLst>
-    <p:notesMasterId r:id="rId31"/>
+    <p:notesMasterId r:id="rId33"/>
   </p:notesMasterIdLst>
   <p:sldIdLst>
     <p:sldId id="311" r:id="rId2"/>
@@ -23,20 +23,22 @@
     <p:sldId id="276" r:id="rId14"/>
     <p:sldId id="275" r:id="rId15"/>
     <p:sldId id="302" r:id="rId16"/>
-    <p:sldId id="281" r:id="rId17"/>
-    <p:sldId id="286" r:id="rId18"/>
-    <p:sldId id="290" r:id="rId19"/>
-    <p:sldId id="291" r:id="rId20"/>
-    <p:sldId id="292" r:id="rId21"/>
-    <p:sldId id="294" r:id="rId22"/>
-    <p:sldId id="295" r:id="rId23"/>
-    <p:sldId id="299" r:id="rId24"/>
-    <p:sldId id="285" r:id="rId25"/>
-    <p:sldId id="314" r:id="rId26"/>
+    <p:sldId id="319" r:id="rId17"/>
+    <p:sldId id="281" r:id="rId18"/>
+    <p:sldId id="286" r:id="rId19"/>
+    <p:sldId id="290" r:id="rId20"/>
+    <p:sldId id="291" r:id="rId21"/>
+    <p:sldId id="292" r:id="rId22"/>
+    <p:sldId id="294" r:id="rId23"/>
+    <p:sldId id="295" r:id="rId24"/>
+    <p:sldId id="299" r:id="rId25"/>
+    <p:sldId id="285" r:id="rId26"/>
     <p:sldId id="308" r:id="rId27"/>
-    <p:sldId id="266" r:id="rId28"/>
-    <p:sldId id="312" r:id="rId29"/>
-    <p:sldId id="313" r:id="rId30"/>
+    <p:sldId id="316" r:id="rId28"/>
+    <p:sldId id="320" r:id="rId29"/>
+    <p:sldId id="318" r:id="rId30"/>
+    <p:sldId id="312" r:id="rId31"/>
+    <p:sldId id="313" r:id="rId32"/>
   </p:sldIdLst>
   <p:sldSz cx="9144000" cy="6858000" type="screen4x3"/>
   <p:notesSz cx="6858000" cy="9144000"/>
@@ -236,7 +238,7 @@
           <a:p>
             <a:fld id="{438AF268-FB9E-4C3A-AD8F-E797B7A8E2C7}" type="datetimeFigureOut">
               <a:rPr lang="en-US" smtClean="0"/>
-              <a:t>2/11/16</a:t>
+              <a:t>2/17/16</a:t>
             </a:fld>
             <a:endParaRPr lang="en-US"/>
           </a:p>
@@ -572,7 +574,7 @@
             <a:fld id="{C1E68BDF-1E23-4275-8F31-ED3954C8A347}" type="slidenum">
               <a:rPr lang="en-US" smtClean="0"/>
               <a:pPr/>
-              <a:t>18</a:t>
+              <a:t>19</a:t>
             </a:fld>
             <a:endParaRPr lang="en-US"/>
           </a:p>
@@ -659,7 +661,7 @@
             <a:fld id="{C1E68BDF-1E23-4275-8F31-ED3954C8A347}" type="slidenum">
               <a:rPr lang="en-US" smtClean="0"/>
               <a:pPr/>
-              <a:t>19</a:t>
+              <a:t>20</a:t>
             </a:fld>
             <a:endParaRPr lang="en-US"/>
           </a:p>
@@ -746,7 +748,7 @@
             <a:fld id="{C1E68BDF-1E23-4275-8F31-ED3954C8A347}" type="slidenum">
               <a:rPr lang="en-US" smtClean="0"/>
               <a:pPr/>
-              <a:t>20</a:t>
+              <a:t>21</a:t>
             </a:fld>
             <a:endParaRPr lang="en-US"/>
           </a:p>
@@ -833,7 +835,7 @@
             <a:fld id="{C1E68BDF-1E23-4275-8F31-ED3954C8A347}" type="slidenum">
               <a:rPr lang="en-US" smtClean="0"/>
               <a:pPr/>
-              <a:t>21</a:t>
+              <a:t>22</a:t>
             </a:fld>
             <a:endParaRPr lang="en-US"/>
           </a:p>
@@ -932,7 +934,7 @@
             <a:fld id="{C1E68BDF-1E23-4275-8F31-ED3954C8A347}" type="slidenum">
               <a:rPr lang="en-US" smtClean="0"/>
               <a:pPr/>
-              <a:t>22</a:t>
+              <a:t>23</a:t>
             </a:fld>
             <a:endParaRPr lang="en-US"/>
           </a:p>
@@ -1019,7 +1021,7 @@
             <a:fld id="{C1E68BDF-1E23-4275-8F31-ED3954C8A347}" type="slidenum">
               <a:rPr lang="en-US" smtClean="0"/>
               <a:pPr/>
-              <a:t>23</a:t>
+              <a:t>24</a:t>
             </a:fld>
             <a:endParaRPr lang="en-US"/>
           </a:p>
@@ -1103,7 +1105,7 @@
           <a:p>
             <a:fld id="{EBFDCC99-1238-4EB5-A58F-30B20D677E4E}" type="slidenum">
               <a:rPr lang="en-US" smtClean="0"/>
-              <a:t>29</a:t>
+              <a:t>31</a:t>
             </a:fld>
             <a:endParaRPr lang="en-US"/>
           </a:p>
@@ -1303,7 +1305,7 @@
           <a:p>
             <a:fld id="{1AE7E1A9-62C0-354D-BD77-CC49624E8574}" type="datetime1">
               <a:rPr lang="en-US" smtClean="0"/>
-              <a:t>2/11/16</a:t>
+              <a:t>2/17/16</a:t>
             </a:fld>
             <a:endParaRPr lang="en-US"/>
           </a:p>
@@ -1469,7 +1471,7 @@
           <a:p>
             <a:fld id="{A6D97B62-3267-294F-93B3-A9B1369070EA}" type="datetime1">
               <a:rPr lang="en-US" smtClean="0"/>
-              <a:t>2/11/16</a:t>
+              <a:t>2/17/16</a:t>
             </a:fld>
             <a:endParaRPr lang="en-US"/>
           </a:p>
@@ -1645,7 +1647,7 @@
           <a:p>
             <a:fld id="{748C0FC8-6803-FF4F-BF70-5F860EDBD7C2}" type="datetime1">
               <a:rPr lang="en-US" smtClean="0"/>
-              <a:t>2/11/16</a:t>
+              <a:t>2/17/16</a:t>
             </a:fld>
             <a:endParaRPr lang="en-US"/>
           </a:p>
@@ -1811,7 +1813,7 @@
           <a:p>
             <a:fld id="{79F1C667-4240-8249-A2DE-FD4A3DB93E16}" type="datetime1">
               <a:rPr lang="en-US" smtClean="0"/>
-              <a:t>2/11/16</a:t>
+              <a:t>2/17/16</a:t>
             </a:fld>
             <a:endParaRPr lang="en-US"/>
           </a:p>
@@ -2053,7 +2055,7 @@
           <a:p>
             <a:fld id="{549C2661-E6C7-2E44-BF7F-6C24AD2E94B2}" type="datetime1">
               <a:rPr lang="en-US" smtClean="0"/>
-              <a:t>2/11/16</a:t>
+              <a:t>2/17/16</a:t>
             </a:fld>
             <a:endParaRPr lang="en-US"/>
           </a:p>
@@ -2337,7 +2339,7 @@
           <a:p>
             <a:fld id="{DC091BF2-F989-F34D-BD4F-5F061B47E885}" type="datetime1">
               <a:rPr lang="en-US" smtClean="0"/>
-              <a:t>2/11/16</a:t>
+              <a:t>2/17/16</a:t>
             </a:fld>
             <a:endParaRPr lang="en-US"/>
           </a:p>
@@ -2755,7 +2757,7 @@
           <a:p>
             <a:fld id="{30F3E183-1C58-DE4A-A71B-67B13D004AC3}" type="datetime1">
               <a:rPr lang="en-US" smtClean="0"/>
-              <a:t>2/11/16</a:t>
+              <a:t>2/17/16</a:t>
             </a:fld>
             <a:endParaRPr lang="en-US"/>
           </a:p>
@@ -2869,7 +2871,7 @@
           <a:p>
             <a:fld id="{0680B746-8A3A-C047-894B-024A65BBF021}" type="datetime1">
               <a:rPr lang="en-US" smtClean="0"/>
-              <a:t>2/11/16</a:t>
+              <a:t>2/17/16</a:t>
             </a:fld>
             <a:endParaRPr lang="en-US"/>
           </a:p>
@@ -2960,7 +2962,7 @@
           <a:p>
             <a:fld id="{165E7AE8-70FA-4A4F-BB18-8947D1003463}" type="datetime1">
               <a:rPr lang="en-US" smtClean="0"/>
-              <a:t>2/11/16</a:t>
+              <a:t>2/17/16</a:t>
             </a:fld>
             <a:endParaRPr lang="en-US"/>
           </a:p>
@@ -3233,7 +3235,7 @@
           <a:p>
             <a:fld id="{845C3078-EA8E-3142-8E79-B8DE1E65391A}" type="datetime1">
               <a:rPr lang="en-US" smtClean="0"/>
-              <a:t>2/11/16</a:t>
+              <a:t>2/17/16</a:t>
             </a:fld>
             <a:endParaRPr lang="en-US"/>
           </a:p>
@@ -3482,7 +3484,7 @@
           <a:p>
             <a:fld id="{A138C791-A0D9-374E-82C0-B569061EE347}" type="datetime1">
               <a:rPr lang="en-US" smtClean="0"/>
-              <a:t>2/11/16</a:t>
+              <a:t>2/17/16</a:t>
             </a:fld>
             <a:endParaRPr lang="en-US"/>
           </a:p>
@@ -3691,7 +3693,7 @@
           <a:p>
             <a:fld id="{E9C839F0-F03B-434C-8B6A-41F28CA97D53}" type="datetime1">
               <a:rPr lang="en-US" smtClean="0"/>
-              <a:t>2/11/16</a:t>
+              <a:t>2/17/16</a:t>
             </a:fld>
             <a:endParaRPr lang="en-US"/>
           </a:p>
@@ -4079,8 +4081,16 @@
           <a:lstStyle/>
           <a:p>
             <a:r>
-              <a:rPr lang="en-US" dirty="0" smtClean="0"/>
-              <a:t>Python and MySQL tutorial</a:t>
+              <a:rPr lang="en-US" dirty="0"/>
+              <a:t>P</a:t>
+            </a:r>
+            <a:r>
+              <a:rPr lang="en-US" dirty="0" smtClean="0"/>
+              <a:t>ython </a:t>
+            </a:r>
+            <a:r>
+              <a:rPr lang="en-US" dirty="0" smtClean="0"/>
+              <a:t>and MySQL tutorial</a:t>
             </a:r>
             <a:endParaRPr lang="en-US" dirty="0"/>
           </a:p>
@@ -4128,12 +4138,19 @@
               <a:rPr lang="en-US" dirty="0" smtClean="0"/>
               <a:t> </a:t>
             </a:r>
-            <a:endParaRPr lang="en-US" dirty="0" smtClean="0"/>
-          </a:p>
-          <a:p>
-            <a:r>
-              <a:rPr lang="en-US" smtClean="0"/>
-              <a:t>Version: Feb 12, 2016</a:t>
+          </a:p>
+          <a:p>
+            <a:r>
+              <a:rPr lang="en-US" dirty="0" smtClean="0"/>
+              <a:t>Version: Feb </a:t>
+            </a:r>
+            <a:r>
+              <a:rPr lang="en-US" dirty="0" smtClean="0"/>
+              <a:t>18, </a:t>
+            </a:r>
+            <a:r>
+              <a:rPr lang="en-US" dirty="0" smtClean="0"/>
+              <a:t>2016</a:t>
             </a:r>
             <a:endParaRPr lang="en-US" dirty="0"/>
           </a:p>
@@ -5075,7 +5092,11 @@
           <a:p>
             <a:r>
               <a:rPr lang="en-US" dirty="0" smtClean="0"/>
-              <a:t>MySQL</a:t>
+              <a:t>Example of scraping </a:t>
+            </a:r>
+            <a:r>
+              <a:rPr lang="en-US" dirty="0" err="1" smtClean="0"/>
+              <a:t>Yelp.com</a:t>
             </a:r>
             <a:endParaRPr lang="en-US" dirty="0"/>
           </a:p>
@@ -5098,57 +5119,19 @@
           <a:p>
             <a:r>
               <a:rPr lang="en-US" dirty="0" smtClean="0"/>
-              <a:t>Install MySQL workbench following this </a:t>
-            </a:r>
-            <a:r>
-              <a:rPr lang="en-US" dirty="0" smtClean="0">
-                <a:hlinkClick r:id="rId2"/>
-              </a:rPr>
-              <a:t>link</a:t>
+              <a:t>UTD is reviewed on </a:t>
+            </a:r>
+            <a:r>
+              <a:rPr lang="en-US" dirty="0" err="1" smtClean="0"/>
+              <a:t>Yelp.com</a:t>
             </a:r>
             <a:endParaRPr lang="en-US" dirty="0" smtClean="0"/>
           </a:p>
           <a:p>
-            <a:pPr lvl="1"/>
-            <a:r>
-              <a:rPr lang="en-US" dirty="0"/>
-              <a:t>You might also need to install the prerequisites listed </a:t>
-            </a:r>
-            <a:r>
-              <a:rPr lang="en-US" dirty="0">
-                <a:hlinkClick r:id="rId3"/>
-              </a:rPr>
-              <a:t>here </a:t>
-            </a:r>
-            <a:r>
-              <a:rPr lang="en-US" dirty="0"/>
-              <a:t>before you can install the </a:t>
-            </a:r>
-            <a:r>
-              <a:rPr lang="en-US" dirty="0" smtClean="0"/>
-              <a:t>workbench</a:t>
-            </a:r>
-          </a:p>
-          <a:p>
-            <a:r>
-              <a:rPr lang="en-US" dirty="0" smtClean="0"/>
-              <a:t>Reference Manual is </a:t>
-            </a:r>
-            <a:r>
-              <a:rPr lang="en-US" dirty="0" smtClean="0">
-                <a:hlinkClick r:id="rId4"/>
-              </a:rPr>
-              <a:t>here</a:t>
-            </a:r>
-            <a:endParaRPr lang="en-US" dirty="0" smtClean="0"/>
-          </a:p>
-          <a:p>
-            <a:r>
-              <a:rPr lang="en-US" dirty="0" smtClean="0"/>
-              <a:t>Connect to MySQL using the root password you set during the installation</a:t>
-            </a:r>
-          </a:p>
-          <a:p>
+            <a:r>
+              <a:rPr lang="en-US" dirty="0" smtClean="0"/>
+              <a:t>Get the individual review’s rating and date</a:t>
+            </a:r>
             <a:endParaRPr lang="en-US" dirty="0"/>
           </a:p>
         </p:txBody>
@@ -5180,7 +5163,7 @@
     </p:spTree>
     <p:extLst>
       <p:ext uri="{BB962C8B-B14F-4D97-AF65-F5344CB8AC3E}">
-        <p14:creationId xmlns:p14="http://schemas.microsoft.com/office/powerpoint/2010/main" val="2242924081"/>
+        <p14:creationId xmlns:p14="http://schemas.microsoft.com/office/powerpoint/2010/main" val="2080808894"/>
       </p:ext>
     </p:extLst>
   </p:cSld>
@@ -5231,7 +5214,7 @@
           <a:p>
             <a:r>
               <a:rPr lang="en-US" dirty="0" smtClean="0"/>
-              <a:t>Access tables</a:t>
+              <a:t>MySQL</a:t>
             </a:r>
             <a:endParaRPr lang="en-US" dirty="0"/>
           </a:p>
@@ -5254,26 +5237,57 @@
           <a:p>
             <a:r>
               <a:rPr lang="en-US" dirty="0" smtClean="0"/>
-              <a:t>Database (Schema) -&gt; Table</a:t>
-            </a:r>
-          </a:p>
-          <a:p>
-            <a:r>
-              <a:rPr lang="en-US" dirty="0" smtClean="0"/>
-              <a:t>Create database test</a:t>
-            </a:r>
-          </a:p>
-          <a:p>
-            <a:r>
-              <a:rPr lang="en-US" dirty="0" smtClean="0"/>
-              <a:t>Choose this database by using “use” command</a:t>
-            </a:r>
-          </a:p>
-          <a:p>
-            <a:r>
-              <a:rPr lang="en-US" dirty="0" smtClean="0"/>
-              <a:t>Create table to store data.</a:t>
-            </a:r>
+              <a:t>Install MySQL workbench following this </a:t>
+            </a:r>
+            <a:r>
+              <a:rPr lang="en-US" dirty="0" smtClean="0">
+                <a:hlinkClick r:id="rId2"/>
+              </a:rPr>
+              <a:t>link</a:t>
+            </a:r>
+            <a:endParaRPr lang="en-US" dirty="0" smtClean="0"/>
+          </a:p>
+          <a:p>
+            <a:pPr lvl="1"/>
+            <a:r>
+              <a:rPr lang="en-US" dirty="0"/>
+              <a:t>You might also need to install the prerequisites listed </a:t>
+            </a:r>
+            <a:r>
+              <a:rPr lang="en-US" dirty="0">
+                <a:hlinkClick r:id="rId3"/>
+              </a:rPr>
+              <a:t>here </a:t>
+            </a:r>
+            <a:r>
+              <a:rPr lang="en-US" dirty="0"/>
+              <a:t>before you can install the </a:t>
+            </a:r>
+            <a:r>
+              <a:rPr lang="en-US" dirty="0" smtClean="0"/>
+              <a:t>workbench</a:t>
+            </a:r>
+          </a:p>
+          <a:p>
+            <a:r>
+              <a:rPr lang="en-US" dirty="0" smtClean="0"/>
+              <a:t>Reference Manual is </a:t>
+            </a:r>
+            <a:r>
+              <a:rPr lang="en-US" dirty="0" smtClean="0">
+                <a:hlinkClick r:id="rId4"/>
+              </a:rPr>
+              <a:t>here</a:t>
+            </a:r>
+            <a:endParaRPr lang="en-US" dirty="0" smtClean="0"/>
+          </a:p>
+          <a:p>
+            <a:r>
+              <a:rPr lang="en-US" dirty="0" smtClean="0"/>
+              <a:t>Connect to MySQL using the root password you set during the installation</a:t>
+            </a:r>
+          </a:p>
+          <a:p>
             <a:endParaRPr lang="en-US" dirty="0"/>
           </a:p>
         </p:txBody>
@@ -5305,7 +5319,7 @@
     </p:spTree>
     <p:extLst>
       <p:ext uri="{BB962C8B-B14F-4D97-AF65-F5344CB8AC3E}">
-        <p14:creationId xmlns:p14="http://schemas.microsoft.com/office/powerpoint/2010/main" val="3548928119"/>
+        <p14:creationId xmlns:p14="http://schemas.microsoft.com/office/powerpoint/2010/main" val="2242924081"/>
       </p:ext>
     </p:extLst>
   </p:cSld>
@@ -5341,142 +5355,71 @@
       </p:grpSpPr>
       <p:sp>
         <p:nvSpPr>
-          <p:cNvPr id="5" name="Content Placeholder 2"/>
-          <p:cNvSpPr>
-            <a:spLocks noGrp="1"/>
-          </p:cNvSpPr>
-          <p:nvPr>
-            <p:ph sz="quarter" idx="1"/>
-          </p:nvPr>
-        </p:nvSpPr>
-        <p:spPr>
-          <a:xfrm>
-            <a:off x="914400" y="3581400"/>
-            <a:ext cx="7772400" cy="2438400"/>
-          </a:xfrm>
-        </p:spPr>
-        <p:txBody>
-          <a:bodyPr>
-            <a:normAutofit fontScale="85000" lnSpcReduction="20000"/>
-          </a:bodyPr>
-          <a:lstStyle/>
-          <a:p>
-            <a:r>
-              <a:rPr lang="en-US" dirty="0" smtClean="0"/>
-              <a:t>The word "example" is the name of our table, as it came directly after "CREATE TABLE". It is a good idea to use descriptive names when creating a table, such as: </a:t>
-            </a:r>
-            <a:r>
-              <a:rPr lang="en-US" dirty="0" err="1" smtClean="0"/>
-              <a:t>employee_information</a:t>
-            </a:r>
-            <a:r>
-              <a:rPr lang="en-US" dirty="0" smtClean="0"/>
-              <a:t>, contacts, or </a:t>
-            </a:r>
-            <a:r>
-              <a:rPr lang="en-US" dirty="0" err="1" smtClean="0"/>
-              <a:t>customer_orders</a:t>
-            </a:r>
-            <a:r>
-              <a:rPr lang="en-US" dirty="0" smtClean="0"/>
-              <a:t>. Clear names will ensure that you will know what the table is about when revisiting it a year after you make it. </a:t>
-            </a:r>
-          </a:p>
-          <a:p>
+          <p:cNvPr id="2" name="Title 1"/>
+          <p:cNvSpPr>
+            <a:spLocks noGrp="1"/>
+          </p:cNvSpPr>
+          <p:nvPr>
+            <p:ph type="title"/>
+          </p:nvPr>
+        </p:nvSpPr>
+        <p:spPr/>
+        <p:txBody>
+          <a:bodyPr/>
+          <a:lstStyle/>
+          <a:p>
+            <a:r>
+              <a:rPr lang="en-US" dirty="0" smtClean="0"/>
+              <a:t>Access tables</a:t>
+            </a:r>
             <a:endParaRPr lang="en-US" dirty="0"/>
           </a:p>
         </p:txBody>
       </p:sp>
       <p:sp>
         <p:nvSpPr>
-          <p:cNvPr id="2" name="Rectangle 1"/>
-          <p:cNvSpPr/>
-          <p:nvPr/>
-        </p:nvSpPr>
-        <p:spPr>
-          <a:xfrm>
-            <a:off x="1752600" y="685800"/>
-            <a:ext cx="5638800" cy="2554545"/>
-          </a:xfrm>
-          <a:prstGeom prst="rect">
-            <a:avLst/>
-          </a:prstGeom>
-          <a:noFill/>
-          <a:ln w="28575">
-            <a:solidFill>
-              <a:schemeClr val="tx1"/>
-            </a:solidFill>
-          </a:ln>
-        </p:spPr>
-        <p:txBody>
-          <a:bodyPr wrap="square">
-            <a:spAutoFit/>
-          </a:bodyPr>
-          <a:lstStyle/>
-          <a:p>
-            <a:r>
-              <a:rPr lang="en-US" sz="3200" dirty="0"/>
-              <a:t>create table example(</a:t>
-            </a:r>
-          </a:p>
-          <a:p>
-            <a:r>
-              <a:rPr lang="en-US" sz="3200" dirty="0"/>
-              <a:t>id </a:t>
-            </a:r>
-            <a:r>
-              <a:rPr lang="en-US" sz="3200" dirty="0" err="1"/>
-              <a:t>int</a:t>
-            </a:r>
-            <a:r>
-              <a:rPr lang="en-US" sz="3200" dirty="0"/>
-              <a:t> not </a:t>
-            </a:r>
-            <a:r>
-              <a:rPr lang="en-US" sz="3200" dirty="0" smtClean="0"/>
-              <a:t>null,</a:t>
-            </a:r>
-            <a:endParaRPr lang="en-US" sz="3200" dirty="0"/>
-          </a:p>
-          <a:p>
-            <a:r>
-              <a:rPr lang="en-US" sz="3200" dirty="0"/>
-              <a:t>name </a:t>
-            </a:r>
-            <a:r>
-              <a:rPr lang="en-US" sz="3200" dirty="0" err="1"/>
-              <a:t>varchar</a:t>
-            </a:r>
-            <a:r>
-              <a:rPr lang="en-US" sz="3200" dirty="0"/>
-              <a:t>(30),</a:t>
-            </a:r>
-          </a:p>
-          <a:p>
-            <a:r>
-              <a:rPr lang="en-US" sz="3200" dirty="0"/>
-              <a:t>age </a:t>
-            </a:r>
-            <a:r>
-              <a:rPr lang="en-US" sz="3200" dirty="0" err="1"/>
-              <a:t>tinyint</a:t>
-            </a:r>
-            <a:r>
-              <a:rPr lang="en-US" sz="3200" dirty="0"/>
-              <a:t>,</a:t>
-            </a:r>
-          </a:p>
-          <a:p>
-            <a:r>
-              <a:rPr lang="en-US" sz="3200" dirty="0"/>
-              <a:t>primary key(id));</a:t>
-            </a:r>
-          </a:p>
-        </p:txBody>
-      </p:sp>
-      <p:sp>
-        <p:nvSpPr>
-          <p:cNvPr id="3" name="Slide Number Placeholder 2"/>
+          <p:cNvPr id="3" name="Content Placeholder 2"/>
+          <p:cNvSpPr>
+            <a:spLocks noGrp="1"/>
+          </p:cNvSpPr>
+          <p:nvPr>
+            <p:ph idx="1"/>
+          </p:nvPr>
+        </p:nvSpPr>
+        <p:spPr/>
+        <p:txBody>
+          <a:bodyPr/>
+          <a:lstStyle/>
+          <a:p>
+            <a:r>
+              <a:rPr lang="en-US" dirty="0" smtClean="0"/>
+              <a:t>Database (Schema) -&gt; Table</a:t>
+            </a:r>
+          </a:p>
+          <a:p>
+            <a:r>
+              <a:rPr lang="en-US" dirty="0" smtClean="0"/>
+              <a:t>Create database test</a:t>
+            </a:r>
+          </a:p>
+          <a:p>
+            <a:r>
+              <a:rPr lang="en-US" dirty="0" smtClean="0"/>
+              <a:t>Choose this database by using “use” command</a:t>
+            </a:r>
+          </a:p>
+          <a:p>
+            <a:r>
+              <a:rPr lang="en-US" dirty="0" smtClean="0"/>
+              <a:t>Create table to store data.</a:t>
+            </a:r>
+            <a:endParaRPr lang="en-US" dirty="0"/>
+          </a:p>
+        </p:txBody>
+      </p:sp>
+      <p:sp>
+        <p:nvSpPr>
+          <p:cNvPr id="4" name="Slide Number Placeholder 3"/>
           <p:cNvSpPr>
             <a:spLocks noGrp="1"/>
           </p:cNvSpPr>
@@ -5501,7 +5444,7 @@
     </p:spTree>
     <p:extLst>
       <p:ext uri="{BB962C8B-B14F-4D97-AF65-F5344CB8AC3E}">
-        <p14:creationId xmlns:p14="http://schemas.microsoft.com/office/powerpoint/2010/main" val="954274219"/>
+        <p14:creationId xmlns:p14="http://schemas.microsoft.com/office/powerpoint/2010/main" val="3548928119"/>
       </p:ext>
     </p:extLst>
   </p:cSld>
@@ -5537,7 +5480,7 @@
       </p:grpSpPr>
       <p:sp>
         <p:nvSpPr>
-          <p:cNvPr id="3" name="Content Placeholder 2"/>
+          <p:cNvPr id="5" name="Content Placeholder 2"/>
           <p:cNvSpPr>
             <a:spLocks noGrp="1"/>
           </p:cNvSpPr>
@@ -5547,27 +5490,35 @@
         </p:nvSpPr>
         <p:spPr>
           <a:xfrm>
-            <a:off x="914400" y="4038600"/>
-            <a:ext cx="7772400" cy="1981200"/>
+            <a:off x="914400" y="3581400"/>
+            <a:ext cx="7772400" cy="2438400"/>
           </a:xfrm>
         </p:spPr>
         <p:txBody>
           <a:bodyPr>
-            <a:normAutofit/>
+            <a:normAutofit fontScale="85000" lnSpcReduction="20000"/>
           </a:bodyPr>
           <a:lstStyle/>
           <a:p>
             <a:r>
               <a:rPr lang="en-US" dirty="0" smtClean="0"/>
-              <a:t>Here we create a column "id" that is not null and belongs to </a:t>
+              <a:t>The word "example" is the name of our table, as it came directly after "CREATE TABLE". It is a good idea to use descriptive names when creating a table, such as: </a:t>
             </a:r>
             <a:r>
               <a:rPr lang="en-US" dirty="0" err="1" smtClean="0"/>
-              <a:t>int</a:t>
-            </a:r>
-            <a:r>
-              <a:rPr lang="en-US" dirty="0" smtClean="0"/>
-              <a:t> data type. </a:t>
+              <a:t>employee_information</a:t>
+            </a:r>
+            <a:r>
+              <a:rPr lang="en-US" dirty="0" smtClean="0"/>
+              <a:t>, contacts, or </a:t>
+            </a:r>
+            <a:r>
+              <a:rPr lang="en-US" dirty="0" err="1" smtClean="0"/>
+              <a:t>customer_orders</a:t>
+            </a:r>
+            <a:r>
+              <a:rPr lang="en-US" dirty="0" smtClean="0"/>
+              <a:t>. Clear names will ensure that you will know what the table is about when revisiting it a year after you make it. </a:t>
             </a:r>
           </a:p>
           <a:p>
@@ -5577,7 +5528,7 @@
       </p:sp>
       <p:sp>
         <p:nvSpPr>
-          <p:cNvPr id="5" name="Rectangle 4"/>
+          <p:cNvPr id="2" name="Rectangle 1"/>
           <p:cNvSpPr/>
           <p:nvPr/>
         </p:nvSpPr>
@@ -5664,7 +5615,7 @@
       </p:sp>
       <p:sp>
         <p:nvSpPr>
-          <p:cNvPr id="2" name="Slide Number Placeholder 1"/>
+          <p:cNvPr id="3" name="Slide Number Placeholder 2"/>
           <p:cNvSpPr>
             <a:spLocks noGrp="1"/>
           </p:cNvSpPr>
@@ -5689,7 +5640,7 @@
     </p:spTree>
     <p:extLst>
       <p:ext uri="{BB962C8B-B14F-4D97-AF65-F5344CB8AC3E}">
-        <p14:creationId xmlns:p14="http://schemas.microsoft.com/office/powerpoint/2010/main" val="2139376762"/>
+        <p14:creationId xmlns:p14="http://schemas.microsoft.com/office/powerpoint/2010/main" val="954274219"/>
       </p:ext>
     </p:extLst>
   </p:cSld>
@@ -5896,52 +5847,21 @@
         </p:spPr>
         <p:txBody>
           <a:bodyPr>
-            <a:normAutofit fontScale="55000" lnSpcReduction="20000"/>
+            <a:normAutofit/>
           </a:bodyPr>
           <a:lstStyle/>
           <a:p>
             <a:r>
-              <a:rPr lang="en-US" b="1" dirty="0" smtClean="0"/>
-              <a:t>Reserved </a:t>
-            </a:r>
-            <a:r>
-              <a:rPr lang="en-US" b="1" dirty="0" err="1" smtClean="0"/>
-              <a:t>MySQL</a:t>
-            </a:r>
-            <a:r>
-              <a:rPr lang="en-US" b="1" dirty="0" smtClean="0"/>
-              <a:t> Keywords</a:t>
-            </a:r>
-            <a:r>
-              <a:rPr lang="en-US" dirty="0" smtClean="0"/>
-              <a:t>: </a:t>
-            </a:r>
-            <a:br>
-              <a:rPr lang="en-US" dirty="0" smtClean="0"/>
-            </a:br>
-            <a:r>
-              <a:rPr lang="en-US" dirty="0" smtClean="0"/>
-              <a:t>Here are a few quick definitions of the reserved words used in this line of code: </a:t>
-            </a:r>
-          </a:p>
-          <a:p>
-            <a:r>
-              <a:rPr lang="en-US" b="1" dirty="0" smtClean="0"/>
-              <a:t>INT</a:t>
-            </a:r>
-            <a:r>
-              <a:rPr lang="en-US" dirty="0" smtClean="0"/>
-              <a:t> - This stands for integer or whole number. 'id' has been defined to be an integer.</a:t>
-            </a:r>
-          </a:p>
-          <a:p>
-            <a:r>
-              <a:rPr lang="en-US" b="1" dirty="0" smtClean="0"/>
-              <a:t>NOT NULL</a:t>
-            </a:r>
-            <a:r>
-              <a:rPr lang="en-US" dirty="0" smtClean="0"/>
-              <a:t> - These are actually two keywords, but they combine together to say that this column cannot be null. An entry is NOT NULL only if it has some value, while something with no value is NULL.</a:t>
+              <a:rPr lang="en-US" dirty="0" smtClean="0"/>
+              <a:t>Here we create a column "id" that is not null and belongs to </a:t>
+            </a:r>
+            <a:r>
+              <a:rPr lang="en-US" dirty="0" err="1" smtClean="0"/>
+              <a:t>int</a:t>
+            </a:r>
+            <a:r>
+              <a:rPr lang="en-US" dirty="0" smtClean="0"/>
+              <a:t> data type. </a:t>
             </a:r>
           </a:p>
           <a:p>
@@ -6067,7 +5987,7 @@
     </p:spTree>
     <p:extLst>
       <p:ext uri="{BB962C8B-B14F-4D97-AF65-F5344CB8AC3E}">
-        <p14:creationId xmlns:p14="http://schemas.microsoft.com/office/powerpoint/2010/main" val="3819842323"/>
+        <p14:creationId xmlns:p14="http://schemas.microsoft.com/office/powerpoint/2010/main" val="2139376762"/>
       </p:ext>
     </p:extLst>
   </p:cSld>
@@ -6124,15 +6044,51 @@
           <a:lstStyle/>
           <a:p>
             <a:r>
-              <a:rPr lang="en-US" dirty="0" smtClean="0"/>
-              <a:t>Here we make a new column with the name "name"! VARCHAR stands for "variable character". "Character" means that you can put in any kind of typed information in this column (letters, numbers, symbols, etc). It's "variable" because it can adjust its size to store as little as 0 characters and up to a specified maximum number of characters.</a:t>
-            </a:r>
-          </a:p>
-          <a:p>
-            <a:r>
-              <a:rPr lang="en-US" dirty="0" smtClean="0"/>
-              <a:t>We will most likely only be using this name column to store characters (A-Z, a-z). The number inside the parentheses sets the maximum number of characters. In this case, the max is 30. </a:t>
-            </a:r>
+              <a:rPr lang="en-US" b="1" dirty="0" smtClean="0"/>
+              <a:t>Reserved </a:t>
+            </a:r>
+            <a:r>
+              <a:rPr lang="en-US" b="1" dirty="0" err="1" smtClean="0"/>
+              <a:t>MySQL</a:t>
+            </a:r>
+            <a:r>
+              <a:rPr lang="en-US" b="1" dirty="0" smtClean="0"/>
+              <a:t> Keywords</a:t>
+            </a:r>
+            <a:r>
+              <a:rPr lang="en-US" dirty="0" smtClean="0"/>
+              <a:t>: </a:t>
+            </a:r>
+            <a:br>
+              <a:rPr lang="en-US" dirty="0" smtClean="0"/>
+            </a:br>
+            <a:r>
+              <a:rPr lang="en-US" dirty="0" smtClean="0"/>
+              <a:t>Here are a few quick definitions of the reserved words used in this line of code: </a:t>
+            </a:r>
+          </a:p>
+          <a:p>
+            <a:r>
+              <a:rPr lang="en-US" b="1" dirty="0" smtClean="0"/>
+              <a:t>INT</a:t>
+            </a:r>
+            <a:r>
+              <a:rPr lang="en-US" dirty="0" smtClean="0"/>
+              <a:t> - This stands for integer or whole number. 'id' has been defined to be an integer.</a:t>
+            </a:r>
+          </a:p>
+          <a:p>
+            <a:r>
+              <a:rPr lang="en-US" b="1" dirty="0" smtClean="0"/>
+              <a:t>NOT NULL</a:t>
+            </a:r>
+            <a:r>
+              <a:rPr lang="en-US" dirty="0" smtClean="0"/>
+              <a:t> - These are actually two keywords, but they combine together to say that this column cannot be null. An entry is NOT NULL only if it has some value, while something with no value is NULL.</a:t>
+            </a:r>
+          </a:p>
+          <a:p>
+            <a:endParaRPr lang="en-US" dirty="0"/>
           </a:p>
         </p:txBody>
       </p:sp>
@@ -6174,16 +6130,20 @@
               <a:t>id </a:t>
             </a:r>
             <a:r>
-              <a:rPr lang="en-US" sz="3200" dirty="0" err="1"/>
+              <a:rPr lang="en-US" sz="3200" b="1" dirty="0" err="1"/>
               <a:t>int</a:t>
             </a:r>
             <a:r>
-              <a:rPr lang="en-US" sz="3200" dirty="0"/>
+              <a:rPr lang="en-US" sz="3200" b="1" dirty="0"/>
               <a:t> not </a:t>
             </a:r>
             <a:r>
+              <a:rPr lang="en-US" sz="3200" b="1" dirty="0" smtClean="0"/>
+              <a:t>null</a:t>
+            </a:r>
+            <a:r>
               <a:rPr lang="en-US" sz="3200" dirty="0" smtClean="0"/>
-              <a:t>null,</a:t>
+              <a:t>,</a:t>
             </a:r>
             <a:endParaRPr lang="en-US" sz="3200" dirty="0"/>
           </a:p>
@@ -6193,16 +6153,12 @@
               <a:t>name </a:t>
             </a:r>
             <a:r>
-              <a:rPr lang="en-US" sz="3200" b="1" dirty="0" err="1"/>
+              <a:rPr lang="en-US" sz="3200" dirty="0" err="1"/>
               <a:t>varchar</a:t>
             </a:r>
             <a:r>
-              <a:rPr lang="en-US" sz="3200" b="1" dirty="0"/>
-              <a:t>(30)</a:t>
-            </a:r>
-            <a:r>
               <a:rPr lang="en-US" sz="3200" dirty="0"/>
-              <a:t>,</a:t>
+              <a:t>(30),</a:t>
             </a:r>
           </a:p>
           <a:p>
@@ -6254,7 +6210,7 @@
     </p:spTree>
     <p:extLst>
       <p:ext uri="{BB962C8B-B14F-4D97-AF65-F5344CB8AC3E}">
-        <p14:creationId xmlns:p14="http://schemas.microsoft.com/office/powerpoint/2010/main" val="1449191673"/>
+        <p14:creationId xmlns:p14="http://schemas.microsoft.com/office/powerpoint/2010/main" val="3819842323"/>
       </p:ext>
     </p:extLst>
   </p:cSld>
@@ -6306,13 +6262,19 @@
         </p:spPr>
         <p:txBody>
           <a:bodyPr>
-            <a:normAutofit fontScale="92500"/>
+            <a:normAutofit fontScale="55000" lnSpcReduction="20000"/>
           </a:bodyPr>
           <a:lstStyle/>
           <a:p>
             <a:r>
               <a:rPr lang="en-US" dirty="0" smtClean="0"/>
-              <a:t>Our third and final column is age, which stores an tiny integer. The possible integer values that can be stored in an “TINYINT" are -128 to 127, which is enough to store someone's age! </a:t>
+              <a:t>Here we make a new column with the name "name"! VARCHAR stands for "variable character". "Character" means that you can put in any kind of typed information in this column (letters, numbers, symbols, etc). It's "variable" because it can adjust its size to store as little as 0 characters and up to a specified maximum number of characters.</a:t>
+            </a:r>
+          </a:p>
+          <a:p>
+            <a:r>
+              <a:rPr lang="en-US" dirty="0" smtClean="0"/>
+              <a:t>We will most likely only be using this name column to store characters (A-Z, a-z). The number inside the parentheses sets the maximum number of characters. In this case, the max is 30. </a:t>
             </a:r>
           </a:p>
         </p:txBody>
@@ -6374,12 +6336,16 @@
               <a:t>name </a:t>
             </a:r>
             <a:r>
-              <a:rPr lang="en-US" sz="3200" dirty="0" err="1"/>
+              <a:rPr lang="en-US" sz="3200" b="1" dirty="0" err="1"/>
               <a:t>varchar</a:t>
             </a:r>
             <a:r>
+              <a:rPr lang="en-US" sz="3200" b="1" dirty="0"/>
+              <a:t>(30)</a:t>
+            </a:r>
+            <a:r>
               <a:rPr lang="en-US" sz="3200" dirty="0"/>
-              <a:t>(30),</a:t>
+              <a:t>,</a:t>
             </a:r>
           </a:p>
           <a:p>
@@ -6388,7 +6354,7 @@
               <a:t>age </a:t>
             </a:r>
             <a:r>
-              <a:rPr lang="en-US" sz="3200" b="1" dirty="0" err="1"/>
+              <a:rPr lang="en-US" sz="3200" dirty="0" err="1"/>
               <a:t>tinyint</a:t>
             </a:r>
             <a:r>
@@ -6431,7 +6397,7 @@
     </p:spTree>
     <p:extLst>
       <p:ext uri="{BB962C8B-B14F-4D97-AF65-F5344CB8AC3E}">
-        <p14:creationId xmlns:p14="http://schemas.microsoft.com/office/powerpoint/2010/main" val="448546685"/>
+        <p14:creationId xmlns:p14="http://schemas.microsoft.com/office/powerpoint/2010/main" val="1449191673"/>
       </p:ext>
     </p:extLst>
   </p:cSld>
@@ -6483,15 +6449,14 @@
         </p:spPr>
         <p:txBody>
           <a:bodyPr>
-            <a:normAutofit fontScale="77500" lnSpcReduction="20000"/>
+            <a:normAutofit fontScale="92500"/>
           </a:bodyPr>
           <a:lstStyle/>
           <a:p>
             <a:r>
               <a:rPr lang="en-US" dirty="0" smtClean="0"/>
-              <a:t>PRIMARY KEY is used as a unique identifier for the rows. Here we have made "id" the PRIMARY KEY for this table. This means that no two ids can be the same, or else we will run into trouble. This is why we made "id" an auto-incrementing counter in the previous line of code.</a:t>
-            </a:r>
-            <a:endParaRPr lang="en-US" dirty="0"/>
+              <a:t>Our third and final column is age, which stores an tiny integer. The possible integer values that can be stored in an “TINYINT" are -128 to 127, which is enough to store someone's age! </a:t>
+            </a:r>
           </a:p>
         </p:txBody>
       </p:sp>
@@ -6566,7 +6531,7 @@
               <a:t>age </a:t>
             </a:r>
             <a:r>
-              <a:rPr lang="en-US" sz="3200" dirty="0" err="1"/>
+              <a:rPr lang="en-US" sz="3200" b="1" dirty="0" err="1"/>
               <a:t>tinyint</a:t>
             </a:r>
             <a:r>
@@ -6576,12 +6541,8 @@
           </a:p>
           <a:p>
             <a:r>
-              <a:rPr lang="en-US" sz="3200" b="1" dirty="0"/>
-              <a:t>primary key</a:t>
-            </a:r>
-            <a:r>
               <a:rPr lang="en-US" sz="3200" dirty="0"/>
-              <a:t>(id));</a:t>
+              <a:t>primary key(id));</a:t>
             </a:r>
           </a:p>
         </p:txBody>
@@ -6613,7 +6574,7 @@
     </p:spTree>
     <p:extLst>
       <p:ext uri="{BB962C8B-B14F-4D97-AF65-F5344CB8AC3E}">
-        <p14:creationId xmlns:p14="http://schemas.microsoft.com/office/powerpoint/2010/main" val="1256389194"/>
+        <p14:creationId xmlns:p14="http://schemas.microsoft.com/office/powerpoint/2010/main" val="448546685"/>
       </p:ext>
     </p:extLst>
   </p:cSld>
@@ -6649,22 +6610,29 @@
       </p:grpSpPr>
       <p:sp>
         <p:nvSpPr>
-          <p:cNvPr id="2" name="Title 1"/>
-          <p:cNvSpPr>
-            <a:spLocks noGrp="1"/>
-          </p:cNvSpPr>
-          <p:nvPr>
-            <p:ph type="title"/>
-          </p:nvPr>
-        </p:nvSpPr>
-        <p:spPr/>
-        <p:txBody>
-          <a:bodyPr/>
-          <a:lstStyle/>
-          <a:p>
-            <a:r>
-              <a:rPr lang="en-US" dirty="0" smtClean="0"/>
-              <a:t>Import data</a:t>
+          <p:cNvPr id="3" name="Content Placeholder 2"/>
+          <p:cNvSpPr>
+            <a:spLocks noGrp="1"/>
+          </p:cNvSpPr>
+          <p:nvPr>
+            <p:ph sz="quarter" idx="1"/>
+          </p:nvPr>
+        </p:nvSpPr>
+        <p:spPr>
+          <a:xfrm>
+            <a:off x="914400" y="4038600"/>
+            <a:ext cx="7772400" cy="1981200"/>
+          </a:xfrm>
+        </p:spPr>
+        <p:txBody>
+          <a:bodyPr>
+            <a:normAutofit fontScale="92500" lnSpcReduction="20000"/>
+          </a:bodyPr>
+          <a:lstStyle/>
+          <a:p>
+            <a:r>
+              <a:rPr lang="en-US" dirty="0" smtClean="0"/>
+              <a:t>PRIMARY KEY is used as a unique identifier for the rows. Here we have made "id" the PRIMARY KEY for this table. This means that no two ids can be the same, or else we will run into trouble. </a:t>
             </a:r>
             <a:endParaRPr lang="en-US" dirty="0"/>
           </a:p>
@@ -6672,41 +6640,98 @@
       </p:sp>
       <p:sp>
         <p:nvSpPr>
-          <p:cNvPr id="3" name="Content Placeholder 2"/>
-          <p:cNvSpPr>
-            <a:spLocks noGrp="1"/>
-          </p:cNvSpPr>
-          <p:nvPr>
-            <p:ph idx="1"/>
-          </p:nvPr>
-        </p:nvSpPr>
-        <p:spPr/>
-        <p:txBody>
-          <a:bodyPr/>
-          <a:lstStyle/>
-          <a:p>
-            <a:r>
-              <a:rPr lang="en-US" dirty="0" smtClean="0"/>
-              <a:t>Import text file into database for processing</a:t>
-            </a:r>
-          </a:p>
-          <a:p>
-            <a:r>
-              <a:rPr lang="en-US" dirty="0" smtClean="0"/>
-              <a:t>Query data</a:t>
-            </a:r>
-          </a:p>
-          <a:p>
-            <a:endParaRPr lang="en-US" dirty="0" smtClean="0"/>
-          </a:p>
-          <a:p>
-            <a:endParaRPr lang="en-US" dirty="0"/>
-          </a:p>
-        </p:txBody>
-      </p:sp>
-      <p:sp>
-        <p:nvSpPr>
-          <p:cNvPr id="4" name="Slide Number Placeholder 3"/>
+          <p:cNvPr id="5" name="Rectangle 4"/>
+          <p:cNvSpPr/>
+          <p:nvPr/>
+        </p:nvSpPr>
+        <p:spPr>
+          <a:xfrm>
+            <a:off x="1752600" y="685800"/>
+            <a:ext cx="5638800" cy="2554545"/>
+          </a:xfrm>
+          <a:prstGeom prst="rect">
+            <a:avLst/>
+          </a:prstGeom>
+          <a:noFill/>
+          <a:ln w="28575">
+            <a:solidFill>
+              <a:schemeClr val="tx1"/>
+            </a:solidFill>
+          </a:ln>
+        </p:spPr>
+        <p:txBody>
+          <a:bodyPr wrap="square">
+            <a:spAutoFit/>
+          </a:bodyPr>
+          <a:lstStyle/>
+          <a:p>
+            <a:r>
+              <a:rPr lang="en-US" sz="3200" dirty="0"/>
+              <a:t>create table example(</a:t>
+            </a:r>
+          </a:p>
+          <a:p>
+            <a:r>
+              <a:rPr lang="en-US" sz="3200" dirty="0"/>
+              <a:t>id </a:t>
+            </a:r>
+            <a:r>
+              <a:rPr lang="en-US" sz="3200" dirty="0" err="1"/>
+              <a:t>int</a:t>
+            </a:r>
+            <a:r>
+              <a:rPr lang="en-US" sz="3200" dirty="0"/>
+              <a:t> not </a:t>
+            </a:r>
+            <a:r>
+              <a:rPr lang="en-US" sz="3200" dirty="0" smtClean="0"/>
+              <a:t>null,</a:t>
+            </a:r>
+            <a:endParaRPr lang="en-US" sz="3200" dirty="0"/>
+          </a:p>
+          <a:p>
+            <a:r>
+              <a:rPr lang="en-US" sz="3200" dirty="0"/>
+              <a:t>name </a:t>
+            </a:r>
+            <a:r>
+              <a:rPr lang="en-US" sz="3200" dirty="0" err="1"/>
+              <a:t>varchar</a:t>
+            </a:r>
+            <a:r>
+              <a:rPr lang="en-US" sz="3200" dirty="0"/>
+              <a:t>(30),</a:t>
+            </a:r>
+          </a:p>
+          <a:p>
+            <a:r>
+              <a:rPr lang="en-US" sz="3200" dirty="0"/>
+              <a:t>age </a:t>
+            </a:r>
+            <a:r>
+              <a:rPr lang="en-US" sz="3200" dirty="0" err="1"/>
+              <a:t>tinyint</a:t>
+            </a:r>
+            <a:r>
+              <a:rPr lang="en-US" sz="3200" dirty="0"/>
+              <a:t>,</a:t>
+            </a:r>
+          </a:p>
+          <a:p>
+            <a:r>
+              <a:rPr lang="en-US" sz="3200" b="1" dirty="0"/>
+              <a:t>primary key</a:t>
+            </a:r>
+            <a:r>
+              <a:rPr lang="en-US" sz="3200" dirty="0"/>
+              <a:t>(id));</a:t>
+            </a:r>
+          </a:p>
+        </p:txBody>
+      </p:sp>
+      <p:sp>
+        <p:nvSpPr>
+          <p:cNvPr id="2" name="Slide Number Placeholder 1"/>
           <p:cNvSpPr>
             <a:spLocks noGrp="1"/>
           </p:cNvSpPr>
@@ -6731,7 +6756,7 @@
     </p:spTree>
     <p:extLst>
       <p:ext uri="{BB962C8B-B14F-4D97-AF65-F5344CB8AC3E}">
-        <p14:creationId xmlns:p14="http://schemas.microsoft.com/office/powerpoint/2010/main" val="1222351688"/>
+        <p14:creationId xmlns:p14="http://schemas.microsoft.com/office/powerpoint/2010/main" val="1256389194"/>
       </p:ext>
     </p:extLst>
   </p:cSld>
@@ -6782,11 +6807,7 @@
           <a:p>
             <a:r>
               <a:rPr lang="en-US" dirty="0" smtClean="0"/>
-              <a:t>Example of scraping </a:t>
-            </a:r>
-            <a:r>
-              <a:rPr lang="en-US" dirty="0" err="1" smtClean="0"/>
-              <a:t>Yelp.com</a:t>
+              <a:t>Import data</a:t>
             </a:r>
             <a:endParaRPr lang="en-US" dirty="0"/>
           </a:p>
@@ -6809,19 +6830,19 @@
           <a:p>
             <a:r>
               <a:rPr lang="en-US" dirty="0" smtClean="0"/>
-              <a:t>UTD is reviewed on </a:t>
-            </a:r>
-            <a:r>
-              <a:rPr lang="en-US" dirty="0" err="1" smtClean="0"/>
-              <a:t>Yelp.com</a:t>
-            </a:r>
+              <a:t>Import text file into database for processing</a:t>
+            </a:r>
+          </a:p>
+          <a:p>
+            <a:r>
+              <a:rPr lang="en-US" dirty="0" smtClean="0"/>
+              <a:t>Query data</a:t>
+            </a:r>
+          </a:p>
+          <a:p>
             <a:endParaRPr lang="en-US" dirty="0" smtClean="0"/>
           </a:p>
           <a:p>
-            <a:r>
-              <a:rPr lang="en-US" dirty="0" smtClean="0"/>
-              <a:t>Get the individual review’s rating and date</a:t>
-            </a:r>
             <a:endParaRPr lang="en-US" dirty="0"/>
           </a:p>
         </p:txBody>
@@ -6853,7 +6874,7 @@
     </p:spTree>
     <p:extLst>
       <p:ext uri="{BB962C8B-B14F-4D97-AF65-F5344CB8AC3E}">
-        <p14:creationId xmlns:p14="http://schemas.microsoft.com/office/powerpoint/2010/main" val="1570762232"/>
+        <p14:creationId xmlns:p14="http://schemas.microsoft.com/office/powerpoint/2010/main" val="1222351688"/>
       </p:ext>
     </p:extLst>
   </p:cSld>
@@ -7019,7 +7040,7 @@
           <a:p>
             <a:r>
               <a:rPr lang="en-US" dirty="0" smtClean="0"/>
-              <a:t>Recommended Recourse</a:t>
+              <a:t>Regular Expression</a:t>
             </a:r>
             <a:endParaRPr lang="en-US" dirty="0"/>
           </a:p>
@@ -7041,94 +7062,43 @@
           <a:lstStyle/>
           <a:p>
             <a:r>
-              <a:rPr lang="en-US" dirty="0" smtClean="0">
-                <a:hlinkClick r:id="rId2"/>
-              </a:rPr>
-              <a:t>Jupyter </a:t>
-            </a:r>
-            <a:r>
-              <a:rPr lang="en-US" dirty="0">
-                <a:hlinkClick r:id="rId2"/>
-              </a:rPr>
-              <a:t>Notebook </a:t>
-            </a:r>
-            <a:endParaRPr lang="en-US" dirty="0" smtClean="0">
-              <a:hlinkClick r:id="rId3"/>
-            </a:endParaRPr>
-          </a:p>
-          <a:p>
-            <a:r>
-              <a:rPr lang="en-US" dirty="0" smtClean="0">
-                <a:hlinkClick r:id="rId3"/>
-              </a:rPr>
-              <a:t>Google Python Class</a:t>
+              <a:rPr lang="en-US" dirty="0"/>
+              <a:t>Basic element for crawling data from websites</a:t>
+            </a:r>
+          </a:p>
+          <a:p>
+            <a:r>
+              <a:rPr lang="en-US" dirty="0" smtClean="0"/>
+              <a:t>Match a pattern to a string for further processing:</a:t>
+            </a:r>
+          </a:p>
+          <a:p>
+            <a:pPr lvl="1"/>
+            <a:r>
+              <a:rPr lang="en-US" dirty="0" smtClean="0"/>
+              <a:t>Match</a:t>
+            </a:r>
+          </a:p>
+          <a:p>
+            <a:pPr lvl="1"/>
+            <a:r>
+              <a:rPr lang="en-US" dirty="0" smtClean="0"/>
+              <a:t>Change</a:t>
             </a:r>
             <a:endParaRPr lang="en-US" dirty="0" smtClean="0"/>
-          </a:p>
-          <a:p>
-            <a:r>
-              <a:rPr lang="en-US" dirty="0" smtClean="0">
-                <a:hlinkClick r:id="rId4"/>
-              </a:rPr>
-              <a:t>One Python book</a:t>
-            </a:r>
-            <a:endParaRPr lang="en-US" dirty="0" smtClean="0"/>
-          </a:p>
-          <a:p>
-            <a:r>
-              <a:rPr lang="en-US" dirty="0" smtClean="0">
-                <a:hlinkClick r:id="rId5"/>
-              </a:rPr>
-              <a:t>One MySQL book</a:t>
-            </a:r>
-            <a:r>
-              <a:rPr lang="en-US" dirty="0" smtClean="0"/>
-              <a:t> </a:t>
-            </a:r>
-          </a:p>
-        </p:txBody>
-      </p:sp>
-      <p:sp>
-        <p:nvSpPr>
-          <p:cNvPr id="4" name="Slide Number Placeholder 3"/>
-          <p:cNvSpPr>
-            <a:spLocks noGrp="1"/>
-          </p:cNvSpPr>
-          <p:nvPr>
-            <p:ph type="sldNum" sz="quarter" idx="12"/>
-          </p:nvPr>
-        </p:nvSpPr>
-        <p:spPr/>
-        <p:txBody>
-          <a:bodyPr/>
-          <a:lstStyle/>
-          <a:p>
-            <a:fld id="{B6F15528-21DE-4FAA-801E-634DDDAF4B2B}" type="slidenum">
-              <a:rPr lang="en-US" smtClean="0"/>
-              <a:pPr/>
-              <a:t>27</a:t>
-            </a:fld>
-            <a:endParaRPr lang="en-US"/>
           </a:p>
         </p:txBody>
       </p:sp>
     </p:spTree>
     <p:extLst>
       <p:ext uri="{BB962C8B-B14F-4D97-AF65-F5344CB8AC3E}">
-        <p14:creationId xmlns:p14="http://schemas.microsoft.com/office/powerpoint/2010/main" val="2621662824"/>
+        <p14:creationId xmlns:p14="http://schemas.microsoft.com/office/powerpoint/2010/main" val="781118753"/>
       </p:ext>
     </p:extLst>
   </p:cSld>
   <p:clrMapOvr>
     <a:masterClrMapping/>
   </p:clrMapOvr>
-  <p:timing>
-    <p:tnLst>
-      <p:par>
-        <p:cTn id="1" dur="indefinite" restart="never" nodeType="tmRoot"/>
-      </p:par>
-    </p:tnLst>
-  </p:timing>
 </p:sld>
 </file>
 
@@ -7166,7 +7136,7 @@
           <a:p>
             <a:r>
               <a:rPr lang="en-US" dirty="0" smtClean="0"/>
-              <a:t>More about index</a:t>
+              <a:t>Basic components</a:t>
             </a:r>
             <a:endParaRPr lang="en-US" dirty="0"/>
           </a:p>
@@ -7187,61 +7157,271 @@
           <a:bodyPr/>
           <a:lstStyle/>
           <a:p>
-            <a:r>
-              <a:rPr lang="en-US" dirty="0" smtClean="0"/>
-              <a:t>step not equal to 1</a:t>
-            </a:r>
-          </a:p>
-          <a:p>
-            <a:r>
-              <a:rPr lang="en-US" dirty="0" smtClean="0"/>
-              <a:t>negative index</a:t>
-            </a:r>
+            <a:endParaRPr lang="en-US" dirty="0" smtClean="0"/>
+          </a:p>
+          <a:p>
             <a:endParaRPr lang="en-US" dirty="0"/>
           </a:p>
         </p:txBody>
       </p:sp>
-      <p:sp>
-        <p:nvSpPr>
-          <p:cNvPr id="4" name="Slide Number Placeholder 3"/>
-          <p:cNvSpPr>
-            <a:spLocks noGrp="1"/>
-          </p:cNvSpPr>
-          <p:nvPr>
-            <p:ph type="sldNum" sz="quarter" idx="12"/>
-          </p:nvPr>
-        </p:nvSpPr>
-        <p:spPr/>
-        <p:txBody>
-          <a:bodyPr/>
-          <a:lstStyle/>
-          <a:p>
-            <a:fld id="{B6F15528-21DE-4FAA-801E-634DDDAF4B2B}" type="slidenum">
-              <a:rPr lang="en-US" smtClean="0"/>
-              <a:pPr/>
-              <a:t>28</a:t>
-            </a:fld>
-            <a:endParaRPr lang="en-US"/>
-          </a:p>
-        </p:txBody>
-      </p:sp>
+      <p:graphicFrame>
+        <p:nvGraphicFramePr>
+          <p:cNvPr id="4" name="Table 3"/>
+          <p:cNvGraphicFramePr>
+            <a:graphicFrameLocks noGrp="1"/>
+          </p:cNvGraphicFramePr>
+          <p:nvPr>
+            <p:extLst/>
+          </p:nvPr>
+        </p:nvGraphicFramePr>
+        <p:xfrm>
+          <a:off x="1524000" y="1397000"/>
+          <a:ext cx="6096000" cy="3307080"/>
+        </p:xfrm>
+        <a:graphic>
+          <a:graphicData uri="http://schemas.openxmlformats.org/drawingml/2006/table">
+            <a:tbl>
+              <a:tblPr firstRow="1" bandRow="1">
+                <a:tableStyleId>{5C22544A-7EE6-4342-B048-85BDC9FD1C3A}</a:tableStyleId>
+              </a:tblPr>
+              <a:tblGrid>
+                <a:gridCol w="3048000"/>
+                <a:gridCol w="3048000"/>
+              </a:tblGrid>
+              <a:tr h="370840">
+                <a:tc>
+                  <a:txBody>
+                    <a:bodyPr/>
+                    <a:lstStyle/>
+                    <a:p>
+                      <a:r>
+                        <a:rPr lang="en-US" sz="1800" b="1" i="0" kern="1200" dirty="0" err="1" smtClean="0">
+                          <a:solidFill>
+                            <a:schemeClr val="lt1"/>
+                          </a:solidFill>
+                          <a:effectLst/>
+                          <a:latin typeface="+mn-lt"/>
+                          <a:ea typeface="+mn-ea"/>
+                          <a:cs typeface="+mn-cs"/>
+                        </a:rPr>
+                        <a:t>Metacharacter</a:t>
+                      </a:r>
+                      <a:endParaRPr lang="en-US" dirty="0"/>
+                    </a:p>
+                  </a:txBody>
+                  <a:tcPr/>
+                </a:tc>
+                <a:tc>
+                  <a:txBody>
+                    <a:bodyPr/>
+                    <a:lstStyle/>
+                    <a:p>
+                      <a:r>
+                        <a:rPr lang="en-US" sz="1800" b="1" i="0" kern="1200" dirty="0" smtClean="0">
+                          <a:solidFill>
+                            <a:schemeClr val="lt1"/>
+                          </a:solidFill>
+                          <a:effectLst/>
+                          <a:latin typeface="+mn-lt"/>
+                          <a:ea typeface="+mn-ea"/>
+                          <a:cs typeface="+mn-cs"/>
+                        </a:rPr>
+                        <a:t>Description</a:t>
+                      </a:r>
+                      <a:endParaRPr lang="en-US" dirty="0"/>
+                    </a:p>
+                  </a:txBody>
+                  <a:tcPr/>
+                </a:tc>
+              </a:tr>
+              <a:tr h="370840">
+                <a:tc>
+                  <a:txBody>
+                    <a:bodyPr/>
+                    <a:lstStyle/>
+                    <a:p>
+                      <a:r>
+                        <a:rPr lang="en-US" dirty="0" smtClean="0"/>
+                        <a:t>\t</a:t>
+                      </a:r>
+                      <a:endParaRPr lang="en-US" dirty="0"/>
+                    </a:p>
+                  </a:txBody>
+                  <a:tcPr/>
+                </a:tc>
+                <a:tc>
+                  <a:txBody>
+                    <a:bodyPr/>
+                    <a:lstStyle/>
+                    <a:p>
+                      <a:r>
+                        <a:rPr lang="en-US" dirty="0" smtClean="0"/>
+                        <a:t>tab</a:t>
+                      </a:r>
+                      <a:endParaRPr lang="en-US" dirty="0"/>
+                    </a:p>
+                  </a:txBody>
+                  <a:tcPr/>
+                </a:tc>
+              </a:tr>
+              <a:tr h="370840">
+                <a:tc>
+                  <a:txBody>
+                    <a:bodyPr/>
+                    <a:lstStyle/>
+                    <a:p>
+                      <a:r>
+                        <a:rPr lang="en-US" dirty="0" smtClean="0"/>
+                        <a:t>+</a:t>
+                      </a:r>
+                      <a:endParaRPr lang="en-US" dirty="0"/>
+                    </a:p>
+                  </a:txBody>
+                  <a:tcPr/>
+                </a:tc>
+                <a:tc>
+                  <a:txBody>
+                    <a:bodyPr/>
+                    <a:lstStyle/>
+                    <a:p>
+                      <a:r>
+                        <a:rPr lang="en-US" sz="1800" b="0" i="0" kern="1200" dirty="0" smtClean="0">
+                          <a:solidFill>
+                            <a:schemeClr val="dk1"/>
+                          </a:solidFill>
+                          <a:effectLst/>
+                          <a:latin typeface="+mn-lt"/>
+                          <a:ea typeface="+mn-ea"/>
+                          <a:cs typeface="+mn-cs"/>
+                        </a:rPr>
+                        <a:t>Matches the preceding pattern element one or more times</a:t>
+                      </a:r>
+                      <a:endParaRPr lang="en-US" dirty="0"/>
+                    </a:p>
+                  </a:txBody>
+                  <a:tcPr/>
+                </a:tc>
+              </a:tr>
+              <a:tr h="370840">
+                <a:tc>
+                  <a:txBody>
+                    <a:bodyPr/>
+                    <a:lstStyle/>
+                    <a:p>
+                      <a:r>
+                        <a:rPr lang="en-US" dirty="0" smtClean="0"/>
+                        <a:t>\d</a:t>
+                      </a:r>
+                      <a:endParaRPr lang="en-US" dirty="0"/>
+                    </a:p>
+                  </a:txBody>
+                  <a:tcPr/>
+                </a:tc>
+                <a:tc>
+                  <a:txBody>
+                    <a:bodyPr/>
+                    <a:lstStyle/>
+                    <a:p>
+                      <a:r>
+                        <a:rPr lang="en-US" sz="1800" b="0" i="0" kern="1200" dirty="0" smtClean="0">
+                          <a:solidFill>
+                            <a:schemeClr val="dk1"/>
+                          </a:solidFill>
+                          <a:effectLst/>
+                          <a:latin typeface="+mn-lt"/>
+                          <a:ea typeface="+mn-ea"/>
+                          <a:cs typeface="+mn-cs"/>
+                        </a:rPr>
+                        <a:t>Matches a digit</a:t>
+                      </a:r>
+                      <a:endParaRPr lang="en-US" dirty="0"/>
+                    </a:p>
+                  </a:txBody>
+                  <a:tcPr/>
+                </a:tc>
+              </a:tr>
+              <a:tr h="370840">
+                <a:tc>
+                  <a:txBody>
+                    <a:bodyPr/>
+                    <a:lstStyle/>
+                    <a:p>
+                      <a:r>
+                        <a:rPr lang="en-US" dirty="0" smtClean="0"/>
+                        <a:t>[…]</a:t>
+                      </a:r>
+                      <a:endParaRPr lang="en-US" dirty="0"/>
+                    </a:p>
+                  </a:txBody>
+                  <a:tcPr/>
+                </a:tc>
+                <a:tc>
+                  <a:txBody>
+                    <a:bodyPr/>
+                    <a:lstStyle/>
+                    <a:p>
+                      <a:r>
+                        <a:rPr lang="en-US" sz="1800" b="0" i="0" kern="1200" dirty="0" smtClean="0">
+                          <a:solidFill>
+                            <a:schemeClr val="dk1"/>
+                          </a:solidFill>
+                          <a:effectLst/>
+                          <a:latin typeface="+mn-lt"/>
+                          <a:ea typeface="+mn-ea"/>
+                          <a:cs typeface="+mn-cs"/>
+                        </a:rPr>
+                        <a:t>Denotes a set of possible character matches.</a:t>
+                      </a:r>
+                      <a:endParaRPr lang="en-US" dirty="0"/>
+                    </a:p>
+                  </a:txBody>
+                  <a:tcPr/>
+                </a:tc>
+              </a:tr>
+              <a:tr h="370840">
+                <a:tc>
+                  <a:txBody>
+                    <a:bodyPr/>
+                    <a:lstStyle/>
+                    <a:p>
+                      <a:r>
+                        <a:rPr lang="en-US" dirty="0" smtClean="0"/>
+                        <a:t>() </a:t>
+                      </a:r>
+                      <a:endParaRPr lang="en-US" dirty="0"/>
+                    </a:p>
+                  </a:txBody>
+                  <a:tcPr/>
+                </a:tc>
+                <a:tc>
+                  <a:txBody>
+                    <a:bodyPr/>
+                    <a:lstStyle/>
+                    <a:p>
+                      <a:r>
+                        <a:rPr lang="en-US" dirty="0" smtClean="0"/>
+                        <a:t>Groups a series of pattern elements to a single element</a:t>
+                      </a:r>
+                      <a:endParaRPr lang="en-US" dirty="0"/>
+                    </a:p>
+                  </a:txBody>
+                  <a:tcPr/>
+                </a:tc>
+              </a:tr>
+            </a:tbl>
+          </a:graphicData>
+        </a:graphic>
+      </p:graphicFrame>
     </p:spTree>
     <p:extLst>
       <p:ext uri="{BB962C8B-B14F-4D97-AF65-F5344CB8AC3E}">
-        <p14:creationId xmlns:p14="http://schemas.microsoft.com/office/powerpoint/2010/main" val="417402573"/>
+        <p14:creationId xmlns:p14="http://schemas.microsoft.com/office/powerpoint/2010/main" val="440294373"/>
       </p:ext>
     </p:extLst>
   </p:cSld>
   <p:clrMapOvr>
     <a:masterClrMapping/>
   </p:clrMapOvr>
-  <p:timing>
-    <p:tnLst>
-      <p:par>
-        <p:cTn id="1" dur="indefinite" restart="never" nodeType="tmRoot"/>
-      </p:par>
-    </p:tnLst>
-  </p:timing>
 </p:sld>
 </file>
 
@@ -7279,7 +7459,7 @@
           <a:p>
             <a:r>
               <a:rPr lang="en-US" dirty="0" smtClean="0"/>
-              <a:t>More about List</a:t>
+              <a:t>Examples</a:t>
             </a:r>
             <a:endParaRPr lang="en-US" dirty="0"/>
           </a:p>
@@ -7302,59 +7482,28 @@
           <a:p>
             <a:r>
               <a:rPr lang="en-US" dirty="0" smtClean="0"/>
-              <a:t>map function</a:t>
-            </a:r>
-          </a:p>
-          <a:p>
-            <a:r>
-              <a:rPr lang="en-US" dirty="0" smtClean="0"/>
-              <a:t>list comprehension</a:t>
-            </a:r>
-            <a:endParaRPr lang="en-US" dirty="0"/>
-          </a:p>
-        </p:txBody>
-      </p:sp>
-      <p:sp>
-        <p:nvSpPr>
-          <p:cNvPr id="4" name="Slide Number Placeholder 3"/>
-          <p:cNvSpPr>
-            <a:spLocks noGrp="1"/>
-          </p:cNvSpPr>
-          <p:nvPr>
-            <p:ph type="sldNum" sz="quarter" idx="12"/>
-          </p:nvPr>
-        </p:nvSpPr>
-        <p:spPr/>
-        <p:txBody>
-          <a:bodyPr/>
-          <a:lstStyle/>
-          <a:p>
-            <a:fld id="{B6F15528-21DE-4FAA-801E-634DDDAF4B2B}" type="slidenum">
-              <a:rPr lang="en-US" smtClean="0"/>
-              <a:pPr/>
-              <a:t>29</a:t>
-            </a:fld>
-            <a:endParaRPr lang="en-US"/>
+              <a:t>Space</a:t>
+            </a:r>
+          </a:p>
+          <a:p>
+            <a:r>
+              <a:rPr lang="en-US" smtClean="0"/>
+              <a:t>Digits</a:t>
+            </a:r>
+            <a:endParaRPr lang="en-US" dirty="0" smtClean="0"/>
           </a:p>
         </p:txBody>
       </p:sp>
     </p:spTree>
     <p:extLst>
       <p:ext uri="{BB962C8B-B14F-4D97-AF65-F5344CB8AC3E}">
-        <p14:creationId xmlns:p14="http://schemas.microsoft.com/office/powerpoint/2010/main" val="467478160"/>
+        <p14:creationId xmlns:p14="http://schemas.microsoft.com/office/powerpoint/2010/main" val="100433946"/>
       </p:ext>
     </p:extLst>
   </p:cSld>
   <p:clrMapOvr>
     <a:masterClrMapping/>
   </p:clrMapOvr>
-  <p:timing>
-    <p:tnLst>
-      <p:par>
-        <p:cTn id="1" dur="indefinite" restart="never" nodeType="tmRoot"/>
-      </p:par>
-    </p:tnLst>
-  </p:timing>
 </p:sld>
 </file>
 
@@ -7571,6 +7720,232 @@
             </p:seq>
           </p:childTnLst>
         </p:cTn>
+      </p:par>
+    </p:tnLst>
+  </p:timing>
+</p:sld>
+</file>
+
+<file path=ppt/slides/slide30.xml><?xml version="1.0" encoding="utf-8"?>
+<p:sld xmlns:a="http://schemas.openxmlformats.org/drawingml/2006/main" xmlns:r="http://schemas.openxmlformats.org/officeDocument/2006/relationships" xmlns:p="http://schemas.openxmlformats.org/presentationml/2006/main">
+  <p:cSld>
+    <p:spTree>
+      <p:nvGrpSpPr>
+        <p:cNvPr id="1" name=""/>
+        <p:cNvGrpSpPr/>
+        <p:nvPr/>
+      </p:nvGrpSpPr>
+      <p:grpSpPr>
+        <a:xfrm>
+          <a:off x="0" y="0"/>
+          <a:ext cx="0" cy="0"/>
+          <a:chOff x="0" y="0"/>
+          <a:chExt cx="0" cy="0"/>
+        </a:xfrm>
+      </p:grpSpPr>
+      <p:sp>
+        <p:nvSpPr>
+          <p:cNvPr id="2" name="Title 1"/>
+          <p:cNvSpPr>
+            <a:spLocks noGrp="1"/>
+          </p:cNvSpPr>
+          <p:nvPr>
+            <p:ph type="title"/>
+          </p:nvPr>
+        </p:nvSpPr>
+        <p:spPr/>
+        <p:txBody>
+          <a:bodyPr/>
+          <a:lstStyle/>
+          <a:p>
+            <a:r>
+              <a:rPr lang="en-US" dirty="0" smtClean="0"/>
+              <a:t>More about index</a:t>
+            </a:r>
+            <a:endParaRPr lang="en-US" dirty="0"/>
+          </a:p>
+        </p:txBody>
+      </p:sp>
+      <p:sp>
+        <p:nvSpPr>
+          <p:cNvPr id="3" name="Content Placeholder 2"/>
+          <p:cNvSpPr>
+            <a:spLocks noGrp="1"/>
+          </p:cNvSpPr>
+          <p:nvPr>
+            <p:ph idx="1"/>
+          </p:nvPr>
+        </p:nvSpPr>
+        <p:spPr/>
+        <p:txBody>
+          <a:bodyPr/>
+          <a:lstStyle/>
+          <a:p>
+            <a:r>
+              <a:rPr lang="en-US" dirty="0" smtClean="0"/>
+              <a:t>step not equal to 1</a:t>
+            </a:r>
+          </a:p>
+          <a:p>
+            <a:r>
+              <a:rPr lang="en-US" dirty="0" smtClean="0"/>
+              <a:t>negative index</a:t>
+            </a:r>
+            <a:endParaRPr lang="en-US" dirty="0"/>
+          </a:p>
+        </p:txBody>
+      </p:sp>
+      <p:sp>
+        <p:nvSpPr>
+          <p:cNvPr id="4" name="Slide Number Placeholder 3"/>
+          <p:cNvSpPr>
+            <a:spLocks noGrp="1"/>
+          </p:cNvSpPr>
+          <p:nvPr>
+            <p:ph type="sldNum" sz="quarter" idx="12"/>
+          </p:nvPr>
+        </p:nvSpPr>
+        <p:spPr/>
+        <p:txBody>
+          <a:bodyPr/>
+          <a:lstStyle/>
+          <a:p>
+            <a:fld id="{B6F15528-21DE-4FAA-801E-634DDDAF4B2B}" type="slidenum">
+              <a:rPr lang="en-US" smtClean="0"/>
+              <a:pPr/>
+              <a:t>30</a:t>
+            </a:fld>
+            <a:endParaRPr lang="en-US"/>
+          </a:p>
+        </p:txBody>
+      </p:sp>
+    </p:spTree>
+    <p:extLst>
+      <p:ext uri="{BB962C8B-B14F-4D97-AF65-F5344CB8AC3E}">
+        <p14:creationId xmlns:p14="http://schemas.microsoft.com/office/powerpoint/2010/main" val="417402573"/>
+      </p:ext>
+    </p:extLst>
+  </p:cSld>
+  <p:clrMapOvr>
+    <a:masterClrMapping/>
+  </p:clrMapOvr>
+  <p:timing>
+    <p:tnLst>
+      <p:par>
+        <p:cTn id="1" dur="indefinite" restart="never" nodeType="tmRoot"/>
+      </p:par>
+    </p:tnLst>
+  </p:timing>
+</p:sld>
+</file>
+
+<file path=ppt/slides/slide31.xml><?xml version="1.0" encoding="utf-8"?>
+<p:sld xmlns:a="http://schemas.openxmlformats.org/drawingml/2006/main" xmlns:r="http://schemas.openxmlformats.org/officeDocument/2006/relationships" xmlns:p="http://schemas.openxmlformats.org/presentationml/2006/main">
+  <p:cSld>
+    <p:spTree>
+      <p:nvGrpSpPr>
+        <p:cNvPr id="1" name=""/>
+        <p:cNvGrpSpPr/>
+        <p:nvPr/>
+      </p:nvGrpSpPr>
+      <p:grpSpPr>
+        <a:xfrm>
+          <a:off x="0" y="0"/>
+          <a:ext cx="0" cy="0"/>
+          <a:chOff x="0" y="0"/>
+          <a:chExt cx="0" cy="0"/>
+        </a:xfrm>
+      </p:grpSpPr>
+      <p:sp>
+        <p:nvSpPr>
+          <p:cNvPr id="2" name="Title 1"/>
+          <p:cNvSpPr>
+            <a:spLocks noGrp="1"/>
+          </p:cNvSpPr>
+          <p:nvPr>
+            <p:ph type="title"/>
+          </p:nvPr>
+        </p:nvSpPr>
+        <p:spPr/>
+        <p:txBody>
+          <a:bodyPr/>
+          <a:lstStyle/>
+          <a:p>
+            <a:r>
+              <a:rPr lang="en-US" dirty="0" smtClean="0"/>
+              <a:t>More about List</a:t>
+            </a:r>
+            <a:endParaRPr lang="en-US" dirty="0"/>
+          </a:p>
+        </p:txBody>
+      </p:sp>
+      <p:sp>
+        <p:nvSpPr>
+          <p:cNvPr id="3" name="Content Placeholder 2"/>
+          <p:cNvSpPr>
+            <a:spLocks noGrp="1"/>
+          </p:cNvSpPr>
+          <p:nvPr>
+            <p:ph idx="1"/>
+          </p:nvPr>
+        </p:nvSpPr>
+        <p:spPr/>
+        <p:txBody>
+          <a:bodyPr/>
+          <a:lstStyle/>
+          <a:p>
+            <a:r>
+              <a:rPr lang="en-US" dirty="0" smtClean="0"/>
+              <a:t>map function</a:t>
+            </a:r>
+          </a:p>
+          <a:p>
+            <a:r>
+              <a:rPr lang="en-US" dirty="0" smtClean="0"/>
+              <a:t>list comprehension</a:t>
+            </a:r>
+            <a:endParaRPr lang="en-US" dirty="0"/>
+          </a:p>
+        </p:txBody>
+      </p:sp>
+      <p:sp>
+        <p:nvSpPr>
+          <p:cNvPr id="4" name="Slide Number Placeholder 3"/>
+          <p:cNvSpPr>
+            <a:spLocks noGrp="1"/>
+          </p:cNvSpPr>
+          <p:nvPr>
+            <p:ph type="sldNum" sz="quarter" idx="12"/>
+          </p:nvPr>
+        </p:nvSpPr>
+        <p:spPr/>
+        <p:txBody>
+          <a:bodyPr/>
+          <a:lstStyle/>
+          <a:p>
+            <a:fld id="{B6F15528-21DE-4FAA-801E-634DDDAF4B2B}" type="slidenum">
+              <a:rPr lang="en-US" smtClean="0"/>
+              <a:pPr/>
+              <a:t>31</a:t>
+            </a:fld>
+            <a:endParaRPr lang="en-US"/>
+          </a:p>
+        </p:txBody>
+      </p:sp>
+    </p:spTree>
+    <p:extLst>
+      <p:ext uri="{BB962C8B-B14F-4D97-AF65-F5344CB8AC3E}">
+        <p14:creationId xmlns:p14="http://schemas.microsoft.com/office/powerpoint/2010/main" val="467478160"/>
+      </p:ext>
+    </p:extLst>
+  </p:cSld>
+  <p:clrMapOvr>
+    <a:masterClrMapping/>
+  </p:clrMapOvr>
+  <p:timing>
+    <p:tnLst>
+      <p:par>
+        <p:cTn id="1" dur="indefinite" restart="never" nodeType="tmRoot"/>
       </p:par>
     </p:tnLst>
   </p:timing>

--- a/Python Tutorial.pptx
+++ b/Python Tutorial.pptx
@@ -5267,6 +5267,14 @@
               <a:rPr lang="en-US" dirty="0" smtClean="0"/>
               <a:t>workbench</a:t>
             </a:r>
+          </a:p>
+          <a:p>
+            <a:pPr lvl="1"/>
+            <a:r>
+              <a:rPr lang="en-US" dirty="0" smtClean="0"/>
+              <a:t>Use the MySQL installer to add MySQL server.</a:t>
+            </a:r>
+            <a:endParaRPr lang="en-US" dirty="0" smtClean="0"/>
           </a:p>
           <a:p>
             <a:r>
